--- a/PPT课件/Part5-1：ASP.NET Core Identity框架入门1.pptx
+++ b/PPT课件/Part5-1：ASP.NET Core Identity框架入门1.pptx
@@ -202,7 +202,7 @@
           <a:p>
             <a:fld id="{0A2FCA5F-0AB4-4B27-9880-843A32CD3FC4}" type="datetimeFigureOut">
               <a:rPr lang="zh-CN" altLang="en-US" smtClean="0"/>
-              <a:t>2021/12/21</a:t>
+              <a:t>2021/12/27</a:t>
             </a:fld>
             <a:endParaRPr lang="zh-CN" altLang="en-US"/>
           </a:p>
@@ -686,7 +686,7 @@
           <a:p>
             <a:fld id="{51EE646F-F65C-4115-9CFB-3F24605268F9}" type="datetimeFigureOut">
               <a:rPr lang="zh-CN" altLang="en-US" smtClean="0"/>
-              <a:t>2021/12/21</a:t>
+              <a:t>2021/12/27</a:t>
             </a:fld>
             <a:endParaRPr lang="zh-CN" altLang="en-US"/>
           </a:p>
@@ -973,7 +973,7 @@
           <a:p>
             <a:fld id="{51EE646F-F65C-4115-9CFB-3F24605268F9}" type="datetimeFigureOut">
               <a:rPr lang="zh-CN" altLang="en-US" smtClean="0"/>
-              <a:t>2021/12/21</a:t>
+              <a:t>2021/12/27</a:t>
             </a:fld>
             <a:endParaRPr lang="zh-CN" altLang="en-US"/>
           </a:p>
@@ -1165,7 +1165,7 @@
           <a:p>
             <a:fld id="{51EE646F-F65C-4115-9CFB-3F24605268F9}" type="datetimeFigureOut">
               <a:rPr lang="zh-CN" altLang="en-US" smtClean="0"/>
-              <a:t>2021/12/21</a:t>
+              <a:t>2021/12/27</a:t>
             </a:fld>
             <a:endParaRPr lang="zh-CN" altLang="en-US"/>
           </a:p>
@@ -1426,7 +1426,7 @@
           <a:p>
             <a:fld id="{51EE646F-F65C-4115-9CFB-3F24605268F9}" type="datetimeFigureOut">
               <a:rPr lang="zh-CN" altLang="en-US" smtClean="0"/>
-              <a:t>2021/12/21</a:t>
+              <a:t>2021/12/27</a:t>
             </a:fld>
             <a:endParaRPr lang="zh-CN" altLang="en-US"/>
           </a:p>
@@ -1850,7 +1850,7 @@
           <a:p>
             <a:fld id="{51EE646F-F65C-4115-9CFB-3F24605268F9}" type="datetimeFigureOut">
               <a:rPr lang="zh-CN" altLang="en-US" smtClean="0"/>
-              <a:t>2021/12/21</a:t>
+              <a:t>2021/12/27</a:t>
             </a:fld>
             <a:endParaRPr lang="zh-CN" altLang="en-US"/>
           </a:p>
@@ -2396,7 +2396,7 @@
           <a:p>
             <a:fld id="{51EE646F-F65C-4115-9CFB-3F24605268F9}" type="datetimeFigureOut">
               <a:rPr lang="zh-CN" altLang="en-US" smtClean="0"/>
-              <a:t>2021/12/21</a:t>
+              <a:t>2021/12/27</a:t>
             </a:fld>
             <a:endParaRPr lang="zh-CN" altLang="en-US"/>
           </a:p>
@@ -3236,7 +3236,7 @@
           <a:p>
             <a:fld id="{51EE646F-F65C-4115-9CFB-3F24605268F9}" type="datetimeFigureOut">
               <a:rPr lang="zh-CN" altLang="en-US" smtClean="0"/>
-              <a:t>2021/12/21</a:t>
+              <a:t>2021/12/27</a:t>
             </a:fld>
             <a:endParaRPr lang="zh-CN" altLang="en-US"/>
           </a:p>
@@ -3406,7 +3406,7 @@
           <a:p>
             <a:fld id="{51EE646F-F65C-4115-9CFB-3F24605268F9}" type="datetimeFigureOut">
               <a:rPr lang="zh-CN" altLang="en-US" smtClean="0"/>
-              <a:t>2021/12/21</a:t>
+              <a:t>2021/12/27</a:t>
             </a:fld>
             <a:endParaRPr lang="zh-CN" altLang="en-US"/>
           </a:p>
@@ -3590,7 +3590,7 @@
           <a:p>
             <a:fld id="{51EE646F-F65C-4115-9CFB-3F24605268F9}" type="datetimeFigureOut">
               <a:rPr lang="zh-CN" altLang="en-US" smtClean="0"/>
-              <a:t>2021/12/21</a:t>
+              <a:t>2021/12/27</a:t>
             </a:fld>
             <a:endParaRPr lang="zh-CN" altLang="en-US"/>
           </a:p>
@@ -3760,7 +3760,7 @@
           <a:p>
             <a:fld id="{51EE646F-F65C-4115-9CFB-3F24605268F9}" type="datetimeFigureOut">
               <a:rPr lang="zh-CN" altLang="en-US" smtClean="0"/>
-              <a:t>2021/12/21</a:t>
+              <a:t>2021/12/27</a:t>
             </a:fld>
             <a:endParaRPr lang="zh-CN" altLang="en-US"/>
           </a:p>
@@ -4008,7 +4008,7 @@
           <a:p>
             <a:fld id="{51EE646F-F65C-4115-9CFB-3F24605268F9}" type="datetimeFigureOut">
               <a:rPr lang="zh-CN" altLang="en-US" smtClean="0"/>
-              <a:t>2021/12/21</a:t>
+              <a:t>2021/12/27</a:t>
             </a:fld>
             <a:endParaRPr lang="zh-CN" altLang="en-US"/>
           </a:p>
@@ -4245,7 +4245,7 @@
           <a:p>
             <a:fld id="{51EE646F-F65C-4115-9CFB-3F24605268F9}" type="datetimeFigureOut">
               <a:rPr lang="zh-CN" altLang="en-US" smtClean="0"/>
-              <a:t>2021/12/21</a:t>
+              <a:t>2021/12/27</a:t>
             </a:fld>
             <a:endParaRPr lang="zh-CN" altLang="en-US"/>
           </a:p>
@@ -4618,7 +4618,7 @@
           <a:p>
             <a:fld id="{51EE646F-F65C-4115-9CFB-3F24605268F9}" type="datetimeFigureOut">
               <a:rPr lang="zh-CN" altLang="en-US" smtClean="0"/>
-              <a:t>2021/12/21</a:t>
+              <a:t>2021/12/27</a:t>
             </a:fld>
             <a:endParaRPr lang="zh-CN" altLang="en-US"/>
           </a:p>
@@ -4736,7 +4736,7 @@
           <a:p>
             <a:fld id="{51EE646F-F65C-4115-9CFB-3F24605268F9}" type="datetimeFigureOut">
               <a:rPr lang="zh-CN" altLang="en-US" smtClean="0"/>
-              <a:t>2021/12/21</a:t>
+              <a:t>2021/12/27</a:t>
             </a:fld>
             <a:endParaRPr lang="zh-CN" altLang="en-US"/>
           </a:p>
@@ -4831,7 +4831,7 @@
           <a:p>
             <a:fld id="{51EE646F-F65C-4115-9CFB-3F24605268F9}" type="datetimeFigureOut">
               <a:rPr lang="zh-CN" altLang="en-US" smtClean="0"/>
-              <a:t>2021/12/21</a:t>
+              <a:t>2021/12/27</a:t>
             </a:fld>
             <a:endParaRPr lang="zh-CN" altLang="en-US"/>
           </a:p>
@@ -5082,7 +5082,7 @@
           <a:p>
             <a:fld id="{51EE646F-F65C-4115-9CFB-3F24605268F9}" type="datetimeFigureOut">
               <a:rPr lang="zh-CN" altLang="en-US" smtClean="0"/>
-              <a:t>2021/12/21</a:t>
+              <a:t>2021/12/27</a:t>
             </a:fld>
             <a:endParaRPr lang="zh-CN" altLang="en-US"/>
           </a:p>
@@ -5369,7 +5369,7 @@
           <a:p>
             <a:fld id="{51EE646F-F65C-4115-9CFB-3F24605268F9}" type="datetimeFigureOut">
               <a:rPr lang="zh-CN" altLang="en-US" smtClean="0"/>
-              <a:t>2021/12/21</a:t>
+              <a:t>2021/12/27</a:t>
             </a:fld>
             <a:endParaRPr lang="zh-CN" altLang="en-US"/>
           </a:p>
@@ -5582,7 +5582,7 @@
           <a:p>
             <a:fld id="{51EE646F-F65C-4115-9CFB-3F24605268F9}" type="datetimeFigureOut">
               <a:rPr lang="zh-CN" altLang="en-US" smtClean="0"/>
-              <a:t>2021/12/21</a:t>
+              <a:t>2021/12/27</a:t>
             </a:fld>
             <a:endParaRPr lang="zh-CN" altLang="en-US"/>
           </a:p>
@@ -6118,8 +6118,8 @@
               <a:rPr lang="en-US" altLang="zh-CN" sz="6600" dirty="0"/>
             </a:br>
             <a:r>
-              <a:rPr lang="zh-CN" altLang="en-US" sz="6600" dirty="0"/>
-              <a:t>第四部分</a:t>
+              <a:rPr lang="zh-CN" altLang="en-US" sz="6600"/>
+              <a:t>第五部分</a:t>
             </a:r>
             <a:br>
               <a:rPr lang="en-US" altLang="zh-CN" sz="6600" dirty="0"/>
